--- a/Slide deck-Research-11_24.pptx
+++ b/Slide deck-Research-11_24.pptx
@@ -11,6 +11,7 @@
     <p:sldId id="259" r:id="rId5"/>
     <p:sldId id="260" r:id="rId6"/>
     <p:sldId id="261" r:id="rId7"/>
+    <p:sldId id="262" r:id="rId8"/>
   </p:sldIdLst>
   <p:sldSz cx="9144000" cy="6858000" type="screen4x3"/>
   <p:notesSz cx="6858000" cy="9144000"/>
@@ -269,11 +270,11 @@
           <c:showBubbleSize val="0"/>
         </c:dLbls>
         <c:gapWidth val="150"/>
-        <c:axId val="2085376856"/>
-        <c:axId val="2085401048"/>
+        <c:axId val="2130868408"/>
+        <c:axId val="2130848488"/>
       </c:barChart>
       <c:catAx>
-        <c:axId val="2085376856"/>
+        <c:axId val="2130868408"/>
         <c:scaling>
           <c:orientation val="minMax"/>
         </c:scaling>
@@ -282,7 +283,7 @@
         <c:majorTickMark val="out"/>
         <c:minorTickMark val="none"/>
         <c:tickLblPos val="nextTo"/>
-        <c:crossAx val="2085401048"/>
+        <c:crossAx val="2130848488"/>
         <c:crosses val="autoZero"/>
         <c:auto val="1"/>
         <c:lblAlgn val="ctr"/>
@@ -290,7 +291,7 @@
         <c:noMultiLvlLbl val="0"/>
       </c:catAx>
       <c:valAx>
-        <c:axId val="2085401048"/>
+        <c:axId val="2130848488"/>
         <c:scaling>
           <c:orientation val="minMax"/>
           <c:max val="30.0"/>
@@ -302,7 +303,7 @@
         <c:majorTickMark val="out"/>
         <c:minorTickMark val="none"/>
         <c:tickLblPos val="nextTo"/>
-        <c:crossAx val="2085376856"/>
+        <c:crossAx val="2130868408"/>
         <c:crosses val="autoZero"/>
         <c:crossBetween val="between"/>
       </c:valAx>
@@ -454,11 +455,11 @@
           <c:showBubbleSize val="0"/>
         </c:dLbls>
         <c:gapWidth val="150"/>
-        <c:axId val="2082990536"/>
-        <c:axId val="2082981464"/>
+        <c:axId val="2130630840"/>
+        <c:axId val="2130633048"/>
       </c:barChart>
       <c:catAx>
-        <c:axId val="2082990536"/>
+        <c:axId val="2130630840"/>
         <c:scaling>
           <c:orientation val="minMax"/>
         </c:scaling>
@@ -467,7 +468,7 @@
         <c:majorTickMark val="out"/>
         <c:minorTickMark val="none"/>
         <c:tickLblPos val="nextTo"/>
-        <c:crossAx val="2082981464"/>
+        <c:crossAx val="2130633048"/>
         <c:crosses val="autoZero"/>
         <c:auto val="1"/>
         <c:lblAlgn val="ctr"/>
@@ -475,7 +476,7 @@
         <c:noMultiLvlLbl val="0"/>
       </c:catAx>
       <c:valAx>
-        <c:axId val="2082981464"/>
+        <c:axId val="2130633048"/>
         <c:scaling>
           <c:orientation val="minMax"/>
           <c:max val="20.0"/>
@@ -487,7 +488,7 @@
         <c:majorTickMark val="out"/>
         <c:minorTickMark val="none"/>
         <c:tickLblPos val="nextTo"/>
-        <c:crossAx val="2082990536"/>
+        <c:crossAx val="2130630840"/>
         <c:crosses val="autoZero"/>
         <c:crossBetween val="between"/>
       </c:valAx>
@@ -765,11 +766,11 @@
           <c:showBubbleSize val="0"/>
         </c:dLbls>
         <c:gapWidth val="150"/>
-        <c:axId val="2108117080"/>
-        <c:axId val="2108121144"/>
+        <c:axId val="2130600328"/>
+        <c:axId val="2130106376"/>
       </c:barChart>
       <c:catAx>
-        <c:axId val="2108117080"/>
+        <c:axId val="2130600328"/>
         <c:scaling>
           <c:orientation val="minMax"/>
         </c:scaling>
@@ -788,7 +789,7 @@
             <a:endParaRPr lang="en-US"/>
           </a:p>
         </c:txPr>
-        <c:crossAx val="2108121144"/>
+        <c:crossAx val="2130106376"/>
         <c:crosses val="autoZero"/>
         <c:auto val="1"/>
         <c:lblAlgn val="ctr"/>
@@ -796,7 +797,7 @@
         <c:noMultiLvlLbl val="0"/>
       </c:catAx>
       <c:valAx>
-        <c:axId val="2108121144"/>
+        <c:axId val="2130106376"/>
         <c:scaling>
           <c:orientation val="minMax"/>
           <c:max val="25.0"/>
@@ -808,7 +809,7 @@
         <c:majorTickMark val="out"/>
         <c:minorTickMark val="none"/>
         <c:tickLblPos val="nextTo"/>
-        <c:crossAx val="2108117080"/>
+        <c:crossAx val="2130600328"/>
         <c:crosses val="autoZero"/>
         <c:crossBetween val="between"/>
       </c:valAx>
@@ -2437,11 +2438,11 @@
           <c:showBubbleSize val="0"/>
         </c:dLbls>
         <c:gapWidth val="150"/>
-        <c:axId val="2107956472"/>
-        <c:axId val="2108052856"/>
+        <c:axId val="2130466520"/>
+        <c:axId val="2130474344"/>
       </c:barChart>
       <c:catAx>
-        <c:axId val="2107956472"/>
+        <c:axId val="2130466520"/>
         <c:scaling>
           <c:orientation val="minMax"/>
         </c:scaling>
@@ -2460,7 +2461,7 @@
             <a:endParaRPr lang="en-US"/>
           </a:p>
         </c:txPr>
-        <c:crossAx val="2108052856"/>
+        <c:crossAx val="2130474344"/>
         <c:crosses val="autoZero"/>
         <c:auto val="1"/>
         <c:lblAlgn val="ctr"/>
@@ -2468,7 +2469,7 @@
         <c:noMultiLvlLbl val="0"/>
       </c:catAx>
       <c:valAx>
-        <c:axId val="2108052856"/>
+        <c:axId val="2130474344"/>
         <c:scaling>
           <c:orientation val="minMax"/>
           <c:max val="75.0"/>
@@ -2481,7 +2482,7 @@
         <c:majorTickMark val="out"/>
         <c:minorTickMark val="none"/>
         <c:tickLblPos val="nextTo"/>
-        <c:crossAx val="2107956472"/>
+        <c:crossAx val="2130466520"/>
         <c:crosses val="autoZero"/>
         <c:crossBetween val="between"/>
       </c:valAx>
@@ -2586,9 +2587,9 @@
           <c:invertIfNegative val="0"/>
           <c:cat>
             <c:strRef>
-              <c:f>Sheet1!$A$2:$A$7</c:f>
+              <c:f>Sheet1!$A$2:$A$11</c:f>
               <c:strCache>
-                <c:ptCount val="6"/>
+                <c:ptCount val="10"/>
                 <c:pt idx="0">
                   <c:v>2048</c:v>
                 </c:pt>
@@ -2606,16 +2607,28 @@
                 </c:pt>
                 <c:pt idx="5">
                   <c:v>Bubble</c:v>
+                </c:pt>
+                <c:pt idx="6">
+                  <c:v>Stick BMX</c:v>
+                </c:pt>
+                <c:pt idx="7">
+                  <c:v>Rolling Sky</c:v>
+                </c:pt>
+                <c:pt idx="8">
+                  <c:v>Archery King</c:v>
+                </c:pt>
+                <c:pt idx="9">
+                  <c:v>Color Switch</c:v>
                 </c:pt>
               </c:strCache>
             </c:strRef>
           </c:cat>
           <c:val>
             <c:numRef>
-              <c:f>Sheet1!$B$2:$B$7</c:f>
+              <c:f>Sheet1!$B$2:$B$11</c:f>
               <c:numCache>
                 <c:formatCode>General</c:formatCode>
-                <c:ptCount val="6"/>
+                <c:ptCount val="10"/>
                 <c:pt idx="0">
                   <c:v>33.0</c:v>
                 </c:pt>
@@ -2633,6 +2646,18 @@
                 </c:pt>
                 <c:pt idx="5">
                   <c:v>71.0</c:v>
+                </c:pt>
+                <c:pt idx="6">
+                  <c:v>399.0</c:v>
+                </c:pt>
+                <c:pt idx="7">
+                  <c:v>1170.0</c:v>
+                </c:pt>
+                <c:pt idx="8">
+                  <c:v>1503.0</c:v>
+                </c:pt>
+                <c:pt idx="9">
+                  <c:v>943.0</c:v>
                 </c:pt>
               </c:numCache>
             </c:numRef>
@@ -2662,9 +2687,9 @@
           <c:invertIfNegative val="0"/>
           <c:cat>
             <c:strRef>
-              <c:f>Sheet1!$A$2:$A$7</c:f>
+              <c:f>Sheet1!$A$2:$A$11</c:f>
               <c:strCache>
-                <c:ptCount val="6"/>
+                <c:ptCount val="10"/>
                 <c:pt idx="0">
                   <c:v>2048</c:v>
                 </c:pt>
@@ -2682,16 +2707,28 @@
                 </c:pt>
                 <c:pt idx="5">
                   <c:v>Bubble</c:v>
+                </c:pt>
+                <c:pt idx="6">
+                  <c:v>Stick BMX</c:v>
+                </c:pt>
+                <c:pt idx="7">
+                  <c:v>Rolling Sky</c:v>
+                </c:pt>
+                <c:pt idx="8">
+                  <c:v>Archery King</c:v>
+                </c:pt>
+                <c:pt idx="9">
+                  <c:v>Color Switch</c:v>
                 </c:pt>
               </c:strCache>
             </c:strRef>
           </c:cat>
           <c:val>
             <c:numRef>
-              <c:f>Sheet1!$C$2:$C$7</c:f>
+              <c:f>Sheet1!$C$2:$C$11</c:f>
               <c:numCache>
                 <c:formatCode>General</c:formatCode>
-                <c:ptCount val="6"/>
+                <c:ptCount val="10"/>
                 <c:pt idx="0">
                   <c:v>17.0</c:v>
                 </c:pt>
@@ -2709,6 +2746,18 @@
                 </c:pt>
                 <c:pt idx="5">
                   <c:v>45.0</c:v>
+                </c:pt>
+                <c:pt idx="6">
+                  <c:v>67.0</c:v>
+                </c:pt>
+                <c:pt idx="7">
+                  <c:v>103.0</c:v>
+                </c:pt>
+                <c:pt idx="8">
+                  <c:v>121.0</c:v>
+                </c:pt>
+                <c:pt idx="9">
+                  <c:v>116.0</c:v>
                 </c:pt>
               </c:numCache>
             </c:numRef>
@@ -2723,11 +2772,11 @@
           <c:showBubbleSize val="0"/>
         </c:dLbls>
         <c:gapWidth val="150"/>
-        <c:axId val="2019664120"/>
-        <c:axId val="2019667096"/>
+        <c:axId val="2130601544"/>
+        <c:axId val="2130490920"/>
       </c:barChart>
       <c:catAx>
-        <c:axId val="2019664120"/>
+        <c:axId val="2130601544"/>
         <c:scaling>
           <c:orientation val="minMax"/>
         </c:scaling>
@@ -2736,7 +2785,17 @@
         <c:majorTickMark val="out"/>
         <c:minorTickMark val="none"/>
         <c:tickLblPos val="nextTo"/>
-        <c:crossAx val="2019667096"/>
+        <c:txPr>
+          <a:bodyPr/>
+          <a:lstStyle/>
+          <a:p>
+            <a:pPr>
+              <a:defRPr sz="1200"/>
+            </a:pPr>
+            <a:endParaRPr lang="en-US"/>
+          </a:p>
+        </c:txPr>
+        <c:crossAx val="2130490920"/>
         <c:crosses val="autoZero"/>
         <c:auto val="1"/>
         <c:lblAlgn val="ctr"/>
@@ -2744,7 +2803,7 @@
         <c:noMultiLvlLbl val="0"/>
       </c:catAx>
       <c:valAx>
-        <c:axId val="2019667096"/>
+        <c:axId val="2130490920"/>
         <c:scaling>
           <c:orientation val="minMax"/>
           <c:max val="300.0"/>
@@ -2781,7 +2840,7 @@
         <c:majorTickMark val="out"/>
         <c:minorTickMark val="none"/>
         <c:tickLblPos val="nextTo"/>
-        <c:crossAx val="2019664120"/>
+        <c:crossAx val="2130601544"/>
         <c:crosses val="autoZero"/>
         <c:crossBetween val="between"/>
         <c:majorUnit val="100.0"/>
@@ -2842,7 +2901,11 @@
             </a:r>
             <a:r>
               <a:rPr lang="en-US" baseline="0" dirty="0" smtClean="0"/>
-              <a:t> Total Called During Run</a:t>
+              <a:t> Total Called During </a:t>
+            </a:r>
+            <a:r>
+              <a:rPr lang="en-US" baseline="0" dirty="0" smtClean="0"/>
+              <a:t>Single Run</a:t>
             </a:r>
             <a:endParaRPr lang="en-US" dirty="0"/>
           </a:p>
@@ -2875,9 +2938,9 @@
           <c:invertIfNegative val="0"/>
           <c:cat>
             <c:strRef>
-              <c:f>Sheet1!$A$2:$A$7</c:f>
+              <c:f>Sheet1!$A$2:$A$11</c:f>
               <c:strCache>
-                <c:ptCount val="6"/>
+                <c:ptCount val="10"/>
                 <c:pt idx="0">
                   <c:v>2048</c:v>
                 </c:pt>
@@ -2895,16 +2958,28 @@
                 </c:pt>
                 <c:pt idx="5">
                   <c:v>Bubble</c:v>
+                </c:pt>
+                <c:pt idx="6">
+                  <c:v>Stick BMX</c:v>
+                </c:pt>
+                <c:pt idx="7">
+                  <c:v>Rolling Sky</c:v>
+                </c:pt>
+                <c:pt idx="8">
+                  <c:v>Archery King</c:v>
+                </c:pt>
+                <c:pt idx="9">
+                  <c:v>Color Switch</c:v>
                 </c:pt>
               </c:strCache>
             </c:strRef>
           </c:cat>
           <c:val>
             <c:numRef>
-              <c:f>Sheet1!$B$2:$B$7</c:f>
+              <c:f>Sheet1!$B$2:$B$11</c:f>
               <c:numCache>
                 <c:formatCode>0%</c:formatCode>
-                <c:ptCount val="6"/>
+                <c:ptCount val="10"/>
                 <c:pt idx="0">
                   <c:v>0.515151515151515</c:v>
                 </c:pt>
@@ -2922,6 +2997,18 @@
                 </c:pt>
                 <c:pt idx="5">
                   <c:v>0.633802816901408</c:v>
+                </c:pt>
+                <c:pt idx="6">
+                  <c:v>0.167919799498747</c:v>
+                </c:pt>
+                <c:pt idx="7">
+                  <c:v>0.088034188034188</c:v>
+                </c:pt>
+                <c:pt idx="8">
+                  <c:v>0.0805056553559547</c:v>
+                </c:pt>
+                <c:pt idx="9">
+                  <c:v>0.123011664899258</c:v>
                 </c:pt>
               </c:numCache>
             </c:numRef>
@@ -2936,11 +3023,11 @@
           <c:showBubbleSize val="0"/>
         </c:dLbls>
         <c:gapWidth val="150"/>
-        <c:axId val="2019709736"/>
-        <c:axId val="2019712712"/>
+        <c:axId val="2096906264"/>
+        <c:axId val="2096909240"/>
       </c:barChart>
       <c:catAx>
-        <c:axId val="2019709736"/>
+        <c:axId val="2096906264"/>
         <c:scaling>
           <c:orientation val="minMax"/>
         </c:scaling>
@@ -2949,7 +3036,7 @@
         <c:majorTickMark val="out"/>
         <c:minorTickMark val="none"/>
         <c:tickLblPos val="nextTo"/>
-        <c:crossAx val="2019712712"/>
+        <c:crossAx val="2096909240"/>
         <c:crosses val="autoZero"/>
         <c:auto val="1"/>
         <c:lblAlgn val="ctr"/>
@@ -2957,7 +3044,7 @@
         <c:noMultiLvlLbl val="0"/>
       </c:catAx>
       <c:valAx>
-        <c:axId val="2019712712"/>
+        <c:axId val="2096909240"/>
         <c:scaling>
           <c:orientation val="minMax"/>
           <c:max val="1.0"/>
@@ -2989,7 +3076,764 @@
         <c:majorTickMark val="out"/>
         <c:minorTickMark val="none"/>
         <c:tickLblPos val="nextTo"/>
-        <c:crossAx val="2019709736"/>
+        <c:crossAx val="2096906264"/>
+        <c:crosses val="autoZero"/>
+        <c:crossBetween val="between"/>
+      </c:valAx>
+    </c:plotArea>
+    <c:plotVisOnly val="1"/>
+    <c:dispBlanksAs val="gap"/>
+    <c:showDLblsOverMax val="0"/>
+  </c:chart>
+  <c:txPr>
+    <a:bodyPr/>
+    <a:lstStyle/>
+    <a:p>
+      <a:pPr>
+        <a:defRPr sz="1800"/>
+      </a:pPr>
+      <a:endParaRPr lang="en-US"/>
+    </a:p>
+  </c:txPr>
+  <c:externalData r:id="rId1">
+    <c:autoUpdate val="0"/>
+  </c:externalData>
+</c:chartSpace>
+</file>
+
+<file path=ppt/charts/chart7.xml><?xml version="1.0" encoding="utf-8"?>
+<c:chartSpace xmlns:c="http://schemas.openxmlformats.org/drawingml/2006/chart" xmlns:a="http://schemas.openxmlformats.org/drawingml/2006/main" xmlns:r="http://schemas.openxmlformats.org/officeDocument/2006/relationships">
+  <c:date1904 val="0"/>
+  <c:lang val="en-US"/>
+  <c:roundedCorners val="0"/>
+  <mc:AlternateContent xmlns:mc="http://schemas.openxmlformats.org/markup-compatibility/2006">
+    <mc:Choice xmlns:c14="http://schemas.microsoft.com/office/drawing/2007/8/2/chart" Requires="c14">
+      <c14:style val="145"/>
+    </mc:Choice>
+    <mc:Fallback>
+      <c:style val="45"/>
+    </mc:Fallback>
+  </mc:AlternateContent>
+  <c:chart>
+    <c:title>
+      <c:tx>
+        <c:rich>
+          <a:bodyPr/>
+          <a:lstStyle/>
+          <a:p>
+            <a:pPr>
+              <a:defRPr/>
+            </a:pPr>
+            <a:r>
+              <a:rPr lang="en-US" dirty="0" smtClean="0"/>
+              <a:t>2048 Run 1</a:t>
+            </a:r>
+          </a:p>
+        </c:rich>
+      </c:tx>
+      <c:layout/>
+      <c:overlay val="0"/>
+    </c:title>
+    <c:autoTitleDeleted val="0"/>
+    <c:plotArea>
+      <c:layout/>
+      <c:barChart>
+        <c:barDir val="bar"/>
+        <c:grouping val="clustered"/>
+        <c:varyColors val="0"/>
+        <c:ser>
+          <c:idx val="0"/>
+          <c:order val="0"/>
+          <c:tx>
+            <c:strRef>
+              <c:f>Sheet1!$B$1</c:f>
+              <c:strCache>
+                <c:ptCount val="1"/>
+                <c:pt idx="0">
+                  <c:v>Series 1</c:v>
+                </c:pt>
+              </c:strCache>
+            </c:strRef>
+          </c:tx>
+          <c:invertIfNegative val="0"/>
+          <c:cat>
+            <c:strRef>
+              <c:f>Sheet1!$A$2:$A$40</c:f>
+              <c:strCache>
+                <c:ptCount val="39"/>
+                <c:pt idx="0">
+                  <c:v>android.content.Context.bindService</c:v>
+                </c:pt>
+                <c:pt idx="1">
+                  <c:v>android.net.ConnectivityManager.getActiveNetworkInfo</c:v>
+                </c:pt>
+                <c:pt idx="2">
+                  <c:v>com.androbaby.game2048.b.run</c:v>
+                </c:pt>
+                <c:pt idx="3">
+                  <c:v>com.androbaby.game2048.i.onPreExecute</c:v>
+                </c:pt>
+                <c:pt idx="4">
+                  <c:v>com.androbaby.game2048.MainActivity.onBackPressed</c:v>
+                </c:pt>
+                <c:pt idx="5">
+                  <c:v>com.androbaby.game2048.MainActivity.onCreate</c:v>
+                </c:pt>
+                <c:pt idx="6">
+                  <c:v>com.androbaby.game2048.MainActivity.onPause</c:v>
+                </c:pt>
+                <c:pt idx="7">
+                  <c:v>com.androbaby.game2048.MainActivity.onResume</c:v>
+                </c:pt>
+                <c:pt idx="8">
+                  <c:v>com.androbaby.game2048.MainActivity.onStart</c:v>
+                </c:pt>
+                <c:pt idx="9">
+                  <c:v>com.androbaby.game2048.MainActivity.onTouch</c:v>
+                </c:pt>
+                <c:pt idx="10">
+                  <c:v>com.androbaby.game2048.r.onTouch</c:v>
+                </c:pt>
+                <c:pt idx="11">
+                  <c:v>com.androidquery.callback.AbstractAjaxCallback.execute</c:v>
+                </c:pt>
+                <c:pt idx="12">
+                  <c:v>com.androidquery.callback.AbstractAjaxCallback.run</c:v>
+                </c:pt>
+                <c:pt idx="13">
+                  <c:v>com.androidquery.util.Common.run</c:v>
+                </c:pt>
+                <c:pt idx="14">
+                  <c:v>com.b.a.a.f.run</c:v>
+                </c:pt>
+                <c:pt idx="15">
+                  <c:v>com.b.a.a.g.run</c:v>
+                </c:pt>
+                <c:pt idx="16">
+                  <c:v>com.cnn.mobile.android.phone.CNNApp.onCreate</c:v>
+                </c:pt>
+                <c:pt idx="17">
+                  <c:v>com.cnn.mobile.android.phone.service.FeedService.onCreate</c:v>
+                </c:pt>
+                <c:pt idx="18">
+                  <c:v>com.cnn.mobile.android.phone.service.FeedService.onDestroy</c:v>
+                </c:pt>
+                <c:pt idx="19">
+                  <c:v>com.cnn.mobile.android.phone.service.FeedService.onStartCommand</c:v>
+                </c:pt>
+                <c:pt idx="20">
+                  <c:v>com.cnn.mobile.android.phone.util.GcmBroadcastReceiver.onReceive</c:v>
+                </c:pt>
+                <c:pt idx="21">
+                  <c:v>com.comscore.analytics.ad.run</c:v>
+                </c:pt>
+                <c:pt idx="22">
+                  <c:v>com.comscore.analytics.c.run</c:v>
+                </c:pt>
+                <c:pt idx="23">
+                  <c:v>com.comscore.analytics.g.run</c:v>
+                </c:pt>
+                <c:pt idx="24">
+                  <c:v>com.comscore.utils.f.run</c:v>
+                </c:pt>
+                <c:pt idx="25">
+                  <c:v>com.comscore.utils.task.CustomThreadPoolExecutor.execute</c:v>
+                </c:pt>
+                <c:pt idx="26">
+                  <c:v>com.comscore.utils.task.TaskExecutor.execute</c:v>
+                </c:pt>
+                <c:pt idx="27">
+                  <c:v>com.crittercism.app.CritterUserDataRequest$1.run</c:v>
+                </c:pt>
+                <c:pt idx="28">
+                  <c:v>com.turner.android.aspen.AspenLogger$2.run</c:v>
+                </c:pt>
+                <c:pt idx="29">
+                  <c:v>com.turner.android.player.CvpPlayer$1.run</c:v>
+                </c:pt>
+                <c:pt idx="30">
+                  <c:v>com.turner.android.player.nexstream.Player$1.run</c:v>
+                </c:pt>
+                <c:pt idx="31">
+                  <c:v>com.turner.android.utils.NetworkClient$AsyncHttpRequest.run</c:v>
+                </c:pt>
+                <c:pt idx="32">
+                  <c:v>crittercism.android.cq.run</c:v>
+                </c:pt>
+                <c:pt idx="33">
+                  <c:v>java.lang.Thread.start</c:v>
+                </c:pt>
+                <c:pt idx="34">
+                  <c:v>java.net.HttpURLConnection.connect</c:v>
+                </c:pt>
+                <c:pt idx="35">
+                  <c:v>java.net.URL.openConnection</c:v>
+                </c:pt>
+                <c:pt idx="36">
+                  <c:v>java.net.URL.openStream</c:v>
+                </c:pt>
+                <c:pt idx="37">
+                  <c:v>org.apache.http.impl.client.DefaultHttpClient.&lt;init&gt;</c:v>
+                </c:pt>
+                <c:pt idx="38">
+                  <c:v>org.apache.http.impl.client.DefaultHttpClient.execute</c:v>
+                </c:pt>
+              </c:strCache>
+            </c:strRef>
+          </c:cat>
+          <c:val>
+            <c:numRef>
+              <c:f>Sheet1!$B$2:$B$40</c:f>
+              <c:numCache>
+                <c:formatCode>General</c:formatCode>
+                <c:ptCount val="39"/>
+                <c:pt idx="0">
+                  <c:v>4.0</c:v>
+                </c:pt>
+                <c:pt idx="1">
+                  <c:v>14.0</c:v>
+                </c:pt>
+                <c:pt idx="2">
+                  <c:v>10.0</c:v>
+                </c:pt>
+                <c:pt idx="3">
+                  <c:v>4.0</c:v>
+                </c:pt>
+                <c:pt idx="4">
+                  <c:v>2.0</c:v>
+                </c:pt>
+                <c:pt idx="5">
+                  <c:v>4.0</c:v>
+                </c:pt>
+                <c:pt idx="6">
+                  <c:v>8.0</c:v>
+                </c:pt>
+                <c:pt idx="7">
+                  <c:v>8.0</c:v>
+                </c:pt>
+                <c:pt idx="8">
+                  <c:v>4.0</c:v>
+                </c:pt>
+                <c:pt idx="9">
+                  <c:v>18.0</c:v>
+                </c:pt>
+                <c:pt idx="10">
+                  <c:v>538.0</c:v>
+                </c:pt>
+                <c:pt idx="11">
+                  <c:v>1487.0</c:v>
+                </c:pt>
+                <c:pt idx="12">
+                  <c:v>1840.0</c:v>
+                </c:pt>
+                <c:pt idx="13">
+                  <c:v>566.0</c:v>
+                </c:pt>
+                <c:pt idx="14">
+                  <c:v>4.0</c:v>
+                </c:pt>
+                <c:pt idx="15">
+                  <c:v>4.0</c:v>
+                </c:pt>
+                <c:pt idx="16">
+                  <c:v>6.0</c:v>
+                </c:pt>
+                <c:pt idx="17">
+                  <c:v>302.0</c:v>
+                </c:pt>
+                <c:pt idx="18">
+                  <c:v>302.0</c:v>
+                </c:pt>
+                <c:pt idx="19">
+                  <c:v>908.0</c:v>
+                </c:pt>
+                <c:pt idx="20">
+                  <c:v>2.0</c:v>
+                </c:pt>
+                <c:pt idx="21">
+                  <c:v>6.0</c:v>
+                </c:pt>
+                <c:pt idx="22">
+                  <c:v>6.0</c:v>
+                </c:pt>
+                <c:pt idx="23">
+                  <c:v>6.0</c:v>
+                </c:pt>
+                <c:pt idx="24">
+                  <c:v>6.0</c:v>
+                </c:pt>
+                <c:pt idx="25">
+                  <c:v>18.0</c:v>
+                </c:pt>
+                <c:pt idx="26">
+                  <c:v>18.0</c:v>
+                </c:pt>
+                <c:pt idx="27">
+                  <c:v>6.0</c:v>
+                </c:pt>
+                <c:pt idx="28">
+                  <c:v>6.0</c:v>
+                </c:pt>
+                <c:pt idx="29">
+                  <c:v>6.0</c:v>
+                </c:pt>
+                <c:pt idx="30">
+                  <c:v>6.0</c:v>
+                </c:pt>
+                <c:pt idx="31">
+                  <c:v>24.0</c:v>
+                </c:pt>
+                <c:pt idx="32">
+                  <c:v>18.0</c:v>
+                </c:pt>
+                <c:pt idx="33">
+                  <c:v>34.0</c:v>
+                </c:pt>
+                <c:pt idx="34">
+                  <c:v>24.0</c:v>
+                </c:pt>
+                <c:pt idx="35">
+                  <c:v>32.0</c:v>
+                </c:pt>
+                <c:pt idx="36">
+                  <c:v>8.0</c:v>
+                </c:pt>
+                <c:pt idx="37">
+                  <c:v>20.0</c:v>
+                </c:pt>
+                <c:pt idx="38">
+                  <c:v>567.0</c:v>
+                </c:pt>
+              </c:numCache>
+            </c:numRef>
+          </c:val>
+        </c:ser>
+        <c:dLbls>
+          <c:showLegendKey val="0"/>
+          <c:showVal val="0"/>
+          <c:showCatName val="0"/>
+          <c:showSerName val="0"/>
+          <c:showPercent val="0"/>
+          <c:showBubbleSize val="0"/>
+        </c:dLbls>
+        <c:gapWidth val="150"/>
+        <c:axId val="2126892616"/>
+        <c:axId val="2127328968"/>
+      </c:barChart>
+      <c:catAx>
+        <c:axId val="2126892616"/>
+        <c:scaling>
+          <c:orientation val="minMax"/>
+        </c:scaling>
+        <c:delete val="0"/>
+        <c:axPos val="l"/>
+        <c:majorTickMark val="out"/>
+        <c:minorTickMark val="none"/>
+        <c:tickLblPos val="nextTo"/>
+        <c:txPr>
+          <a:bodyPr/>
+          <a:lstStyle/>
+          <a:p>
+            <a:pPr>
+              <a:defRPr sz="1000"/>
+            </a:pPr>
+            <a:endParaRPr lang="en-US"/>
+          </a:p>
+        </c:txPr>
+        <c:crossAx val="2127328968"/>
+        <c:crosses val="autoZero"/>
+        <c:auto val="1"/>
+        <c:lblAlgn val="ctr"/>
+        <c:lblOffset val="100"/>
+        <c:noMultiLvlLbl val="0"/>
+      </c:catAx>
+      <c:valAx>
+        <c:axId val="2127328968"/>
+        <c:scaling>
+          <c:orientation val="minMax"/>
+        </c:scaling>
+        <c:delete val="0"/>
+        <c:axPos val="b"/>
+        <c:majorGridlines/>
+        <c:numFmt formatCode="General" sourceLinked="1"/>
+        <c:majorTickMark val="out"/>
+        <c:minorTickMark val="none"/>
+        <c:tickLblPos val="nextTo"/>
+        <c:crossAx val="2126892616"/>
+        <c:crosses val="autoZero"/>
+        <c:crossBetween val="between"/>
+      </c:valAx>
+    </c:plotArea>
+    <c:plotVisOnly val="1"/>
+    <c:dispBlanksAs val="gap"/>
+    <c:showDLblsOverMax val="0"/>
+  </c:chart>
+  <c:txPr>
+    <a:bodyPr/>
+    <a:lstStyle/>
+    <a:p>
+      <a:pPr>
+        <a:defRPr sz="1800"/>
+      </a:pPr>
+      <a:endParaRPr lang="en-US"/>
+    </a:p>
+  </c:txPr>
+  <c:externalData r:id="rId1">
+    <c:autoUpdate val="0"/>
+  </c:externalData>
+</c:chartSpace>
+</file>
+
+<file path=ppt/charts/chart8.xml><?xml version="1.0" encoding="utf-8"?>
+<c:chartSpace xmlns:c="http://schemas.openxmlformats.org/drawingml/2006/chart" xmlns:a="http://schemas.openxmlformats.org/drawingml/2006/main" xmlns:r="http://schemas.openxmlformats.org/officeDocument/2006/relationships">
+  <c:date1904 val="0"/>
+  <c:lang val="en-US"/>
+  <c:roundedCorners val="0"/>
+  <mc:AlternateContent xmlns:mc="http://schemas.openxmlformats.org/markup-compatibility/2006">
+    <mc:Choice xmlns:c14="http://schemas.microsoft.com/office/drawing/2007/8/2/chart" Requires="c14">
+      <c14:style val="145"/>
+    </mc:Choice>
+    <mc:Fallback>
+      <c:style val="45"/>
+    </mc:Fallback>
+  </mc:AlternateContent>
+  <c:chart>
+    <c:title>
+      <c:layout/>
+      <c:overlay val="0"/>
+    </c:title>
+    <c:autoTitleDeleted val="0"/>
+    <c:plotArea>
+      <c:layout/>
+      <c:barChart>
+        <c:barDir val="bar"/>
+        <c:grouping val="clustered"/>
+        <c:varyColors val="0"/>
+        <c:ser>
+          <c:idx val="0"/>
+          <c:order val="0"/>
+          <c:tx>
+            <c:strRef>
+              <c:f>Sheet1!$B$1</c:f>
+              <c:strCache>
+                <c:ptCount val="1"/>
+                <c:pt idx="0">
+                  <c:v>Series 1</c:v>
+                </c:pt>
+              </c:strCache>
+            </c:strRef>
+          </c:tx>
+          <c:invertIfNegative val="0"/>
+          <c:cat>
+            <c:strRef>
+              <c:f>Sheet1!$A$2:$A$41</c:f>
+              <c:strCache>
+                <c:ptCount val="40"/>
+                <c:pt idx="0">
+                  <c:v>android.content.Context.bindService</c:v>
+                </c:pt>
+                <c:pt idx="1">
+                  <c:v>android.net.ConnectivityManager.getActiveNetworkInfo</c:v>
+                </c:pt>
+                <c:pt idx="2">
+                  <c:v>com.androbaby.game2048.b.run</c:v>
+                </c:pt>
+                <c:pt idx="3">
+                  <c:v>com.androbaby.game2048.i.onPreExecute</c:v>
+                </c:pt>
+                <c:pt idx="4">
+                  <c:v>com.androbaby.game2048.MainActivity.onBackPressed</c:v>
+                </c:pt>
+                <c:pt idx="5">
+                  <c:v>com.androbaby.game2048.MainActivity.onCreate</c:v>
+                </c:pt>
+                <c:pt idx="6">
+                  <c:v>com.androbaby.game2048.MainActivity.onDestroy</c:v>
+                </c:pt>
+                <c:pt idx="7">
+                  <c:v>com.androbaby.game2048.MainActivity.onPause</c:v>
+                </c:pt>
+                <c:pt idx="8">
+                  <c:v>com.androbaby.game2048.MainActivity.onResume</c:v>
+                </c:pt>
+                <c:pt idx="9">
+                  <c:v>com.androbaby.game2048.MainActivity.onStart</c:v>
+                </c:pt>
+                <c:pt idx="10">
+                  <c:v>com.androbaby.game2048.MainActivity.onTouch</c:v>
+                </c:pt>
+                <c:pt idx="11">
+                  <c:v>com.androbaby.game2048.r.onTouch</c:v>
+                </c:pt>
+                <c:pt idx="12">
+                  <c:v>com.androidquery.callback.AbstractAjaxCallback.execute</c:v>
+                </c:pt>
+                <c:pt idx="13">
+                  <c:v>com.androidquery.callback.AbstractAjaxCallback.run</c:v>
+                </c:pt>
+                <c:pt idx="14">
+                  <c:v>com.androidquery.util.Common.run</c:v>
+                </c:pt>
+                <c:pt idx="15">
+                  <c:v>com.b.a.a.f.run</c:v>
+                </c:pt>
+                <c:pt idx="16">
+                  <c:v>com.b.a.a.g.run</c:v>
+                </c:pt>
+                <c:pt idx="17">
+                  <c:v>com.cnn.mobile.android.phone.CNNApp.onCreate</c:v>
+                </c:pt>
+                <c:pt idx="18">
+                  <c:v>com.cnn.mobile.android.phone.service.FeedService.onCreate</c:v>
+                </c:pt>
+                <c:pt idx="19">
+                  <c:v>com.cnn.mobile.android.phone.service.FeedService.onDestroy</c:v>
+                </c:pt>
+                <c:pt idx="20">
+                  <c:v>com.cnn.mobile.android.phone.service.FeedService.onStartCommand</c:v>
+                </c:pt>
+                <c:pt idx="21">
+                  <c:v>com.cnn.mobile.android.phone.util.GcmBroadcastReceiver.onReceive</c:v>
+                </c:pt>
+                <c:pt idx="22">
+                  <c:v>com.comscore.analytics.ad.run</c:v>
+                </c:pt>
+                <c:pt idx="23">
+                  <c:v>com.comscore.analytics.c.run</c:v>
+                </c:pt>
+                <c:pt idx="24">
+                  <c:v>com.comscore.analytics.g.run</c:v>
+                </c:pt>
+                <c:pt idx="25">
+                  <c:v>com.comscore.utils.f.run</c:v>
+                </c:pt>
+                <c:pt idx="26">
+                  <c:v>com.comscore.utils.task.CustomThreadPoolExecutor.execute</c:v>
+                </c:pt>
+                <c:pt idx="27">
+                  <c:v>com.comscore.utils.task.TaskExecutor.execute</c:v>
+                </c:pt>
+                <c:pt idx="28">
+                  <c:v>com.crittercism.app.CritterUserDataRequest$1.run</c:v>
+                </c:pt>
+                <c:pt idx="29">
+                  <c:v>com.turner.android.aspen.AspenLogger$2.run</c:v>
+                </c:pt>
+                <c:pt idx="30">
+                  <c:v>com.turner.android.player.CvpPlayer$1.run</c:v>
+                </c:pt>
+                <c:pt idx="31">
+                  <c:v>com.turner.android.player.nexstream.Player$1.run</c:v>
+                </c:pt>
+                <c:pt idx="32">
+                  <c:v>com.turner.android.utils.NetworkClient$AsyncHttpRequest.run</c:v>
+                </c:pt>
+                <c:pt idx="33">
+                  <c:v>crittercism.android.cq.run</c:v>
+                </c:pt>
+                <c:pt idx="34">
+                  <c:v>java.lang.Thread.start</c:v>
+                </c:pt>
+                <c:pt idx="35">
+                  <c:v>java.net.HttpURLConnection.connect</c:v>
+                </c:pt>
+                <c:pt idx="36">
+                  <c:v>java.net.URL.openConnection</c:v>
+                </c:pt>
+                <c:pt idx="37">
+                  <c:v>java.net.URL.openStream</c:v>
+                </c:pt>
+                <c:pt idx="38">
+                  <c:v>org.apache.http.impl.client.DefaultHttpClient.&lt;init&gt;</c:v>
+                </c:pt>
+                <c:pt idx="39">
+                  <c:v>org.apache.http.impl.client.DefaultHttpClient.execute</c:v>
+                </c:pt>
+              </c:strCache>
+            </c:strRef>
+          </c:cat>
+          <c:val>
+            <c:numRef>
+              <c:f>Sheet1!$B$2:$B$41</c:f>
+              <c:numCache>
+                <c:formatCode>General</c:formatCode>
+                <c:ptCount val="40"/>
+                <c:pt idx="0">
+                  <c:v>6.0</c:v>
+                </c:pt>
+                <c:pt idx="1">
+                  <c:v>22.0</c:v>
+                </c:pt>
+                <c:pt idx="2">
+                  <c:v>16.0</c:v>
+                </c:pt>
+                <c:pt idx="3">
+                  <c:v>6.0</c:v>
+                </c:pt>
+                <c:pt idx="4">
+                  <c:v>4.0</c:v>
+                </c:pt>
+                <c:pt idx="5">
+                  <c:v>6.0</c:v>
+                </c:pt>
+                <c:pt idx="6">
+                  <c:v>1.0</c:v>
+                </c:pt>
+                <c:pt idx="7">
+                  <c:v>10.0</c:v>
+                </c:pt>
+                <c:pt idx="8">
+                  <c:v>10.0</c:v>
+                </c:pt>
+                <c:pt idx="9">
+                  <c:v>6.0</c:v>
+                </c:pt>
+                <c:pt idx="10">
+                  <c:v>30.0</c:v>
+                </c:pt>
+                <c:pt idx="11">
+                  <c:v>852.0</c:v>
+                </c:pt>
+                <c:pt idx="12">
+                  <c:v>1511.0</c:v>
+                </c:pt>
+                <c:pt idx="13">
+                  <c:v>1880.0</c:v>
+                </c:pt>
+                <c:pt idx="14">
+                  <c:v>570.0</c:v>
+                </c:pt>
+                <c:pt idx="15">
+                  <c:v>6.0</c:v>
+                </c:pt>
+                <c:pt idx="16">
+                  <c:v>6.0</c:v>
+                </c:pt>
+                <c:pt idx="17">
+                  <c:v>10.0</c:v>
+                </c:pt>
+                <c:pt idx="18">
+                  <c:v>306.0</c:v>
+                </c:pt>
+                <c:pt idx="19">
+                  <c:v>306.0</c:v>
+                </c:pt>
+                <c:pt idx="20">
+                  <c:v>920.0</c:v>
+                </c:pt>
+                <c:pt idx="21">
+                  <c:v>2.0</c:v>
+                </c:pt>
+                <c:pt idx="22">
+                  <c:v>10.0</c:v>
+                </c:pt>
+                <c:pt idx="23">
+                  <c:v>10.0</c:v>
+                </c:pt>
+                <c:pt idx="24">
+                  <c:v>10.0</c:v>
+                </c:pt>
+                <c:pt idx="25">
+                  <c:v>10.0</c:v>
+                </c:pt>
+                <c:pt idx="26">
+                  <c:v>30.0</c:v>
+                </c:pt>
+                <c:pt idx="27">
+                  <c:v>30.0</c:v>
+                </c:pt>
+                <c:pt idx="28">
+                  <c:v>10.0</c:v>
+                </c:pt>
+                <c:pt idx="29">
+                  <c:v>10.0</c:v>
+                </c:pt>
+                <c:pt idx="30">
+                  <c:v>10.0</c:v>
+                </c:pt>
+                <c:pt idx="31">
+                  <c:v>10.0</c:v>
+                </c:pt>
+                <c:pt idx="32">
+                  <c:v>40.0</c:v>
+                </c:pt>
+                <c:pt idx="33">
+                  <c:v>30.0</c:v>
+                </c:pt>
+                <c:pt idx="34">
+                  <c:v>56.0</c:v>
+                </c:pt>
+                <c:pt idx="35">
+                  <c:v>36.0</c:v>
+                </c:pt>
+                <c:pt idx="36">
+                  <c:v>48.0</c:v>
+                </c:pt>
+                <c:pt idx="37">
+                  <c:v>12.0</c:v>
+                </c:pt>
+                <c:pt idx="38">
+                  <c:v>30.0</c:v>
+                </c:pt>
+                <c:pt idx="39">
+                  <c:v>571.0</c:v>
+                </c:pt>
+              </c:numCache>
+            </c:numRef>
+          </c:val>
+        </c:ser>
+        <c:dLbls>
+          <c:showLegendKey val="0"/>
+          <c:showVal val="0"/>
+          <c:showCatName val="0"/>
+          <c:showSerName val="0"/>
+          <c:showPercent val="0"/>
+          <c:showBubbleSize val="0"/>
+        </c:dLbls>
+        <c:gapWidth val="150"/>
+        <c:axId val="2134543832"/>
+        <c:axId val="2095705304"/>
+      </c:barChart>
+      <c:catAx>
+        <c:axId val="2134543832"/>
+        <c:scaling>
+          <c:orientation val="minMax"/>
+        </c:scaling>
+        <c:delete val="0"/>
+        <c:axPos val="l"/>
+        <c:majorTickMark val="out"/>
+        <c:minorTickMark val="none"/>
+        <c:tickLblPos val="nextTo"/>
+        <c:txPr>
+          <a:bodyPr/>
+          <a:lstStyle/>
+          <a:p>
+            <a:pPr>
+              <a:defRPr sz="1000"/>
+            </a:pPr>
+            <a:endParaRPr lang="en-US"/>
+          </a:p>
+        </c:txPr>
+        <c:crossAx val="2095705304"/>
+        <c:crosses val="autoZero"/>
+        <c:auto val="1"/>
+        <c:lblAlgn val="ctr"/>
+        <c:lblOffset val="100"/>
+        <c:noMultiLvlLbl val="0"/>
+      </c:catAx>
+      <c:valAx>
+        <c:axId val="2095705304"/>
+        <c:scaling>
+          <c:orientation val="minMax"/>
+        </c:scaling>
+        <c:delete val="0"/>
+        <c:axPos val="b"/>
+        <c:majorGridlines/>
+        <c:numFmt formatCode="General" sourceLinked="1"/>
+        <c:majorTickMark val="out"/>
+        <c:minorTickMark val="none"/>
+        <c:tickLblPos val="nextTo"/>
+        <c:crossAx val="2134543832"/>
         <c:crosses val="autoZero"/>
         <c:crossBetween val="between"/>
       </c:valAx>
@@ -3195,7 +4039,7 @@
           <a:p>
             <a:fld id="{48918665-1BAA-B54E-B53A-2BEFD09F0669}" type="datetimeFigureOut">
               <a:rPr lang="en-US" smtClean="0"/>
-              <a:t>11/25/16</a:t>
+              <a:t>12/6/16</a:t>
             </a:fld>
             <a:endParaRPr lang="en-US"/>
           </a:p>
@@ -3365,7 +4209,7 @@
           <a:p>
             <a:fld id="{48918665-1BAA-B54E-B53A-2BEFD09F0669}" type="datetimeFigureOut">
               <a:rPr lang="en-US" smtClean="0"/>
-              <a:t>11/25/16</a:t>
+              <a:t>12/6/16</a:t>
             </a:fld>
             <a:endParaRPr lang="en-US"/>
           </a:p>
@@ -3545,7 +4389,7 @@
           <a:p>
             <a:fld id="{48918665-1BAA-B54E-B53A-2BEFD09F0669}" type="datetimeFigureOut">
               <a:rPr lang="en-US" smtClean="0"/>
-              <a:t>11/25/16</a:t>
+              <a:t>12/6/16</a:t>
             </a:fld>
             <a:endParaRPr lang="en-US"/>
           </a:p>
@@ -3715,7 +4559,7 @@
           <a:p>
             <a:fld id="{48918665-1BAA-B54E-B53A-2BEFD09F0669}" type="datetimeFigureOut">
               <a:rPr lang="en-US" smtClean="0"/>
-              <a:t>11/25/16</a:t>
+              <a:t>12/6/16</a:t>
             </a:fld>
             <a:endParaRPr lang="en-US"/>
           </a:p>
@@ -3961,7 +4805,7 @@
           <a:p>
             <a:fld id="{48918665-1BAA-B54E-B53A-2BEFD09F0669}" type="datetimeFigureOut">
               <a:rPr lang="en-US" smtClean="0"/>
-              <a:t>11/25/16</a:t>
+              <a:t>12/6/16</a:t>
             </a:fld>
             <a:endParaRPr lang="en-US"/>
           </a:p>
@@ -4249,7 +5093,7 @@
           <a:p>
             <a:fld id="{48918665-1BAA-B54E-B53A-2BEFD09F0669}" type="datetimeFigureOut">
               <a:rPr lang="en-US" smtClean="0"/>
-              <a:t>11/25/16</a:t>
+              <a:t>12/6/16</a:t>
             </a:fld>
             <a:endParaRPr lang="en-US"/>
           </a:p>
@@ -4671,7 +5515,7 @@
           <a:p>
             <a:fld id="{48918665-1BAA-B54E-B53A-2BEFD09F0669}" type="datetimeFigureOut">
               <a:rPr lang="en-US" smtClean="0"/>
-              <a:t>11/25/16</a:t>
+              <a:t>12/6/16</a:t>
             </a:fld>
             <a:endParaRPr lang="en-US"/>
           </a:p>
@@ -4789,7 +5633,7 @@
           <a:p>
             <a:fld id="{48918665-1BAA-B54E-B53A-2BEFD09F0669}" type="datetimeFigureOut">
               <a:rPr lang="en-US" smtClean="0"/>
-              <a:t>11/25/16</a:t>
+              <a:t>12/6/16</a:t>
             </a:fld>
             <a:endParaRPr lang="en-US"/>
           </a:p>
@@ -4884,7 +5728,7 @@
           <a:p>
             <a:fld id="{48918665-1BAA-B54E-B53A-2BEFD09F0669}" type="datetimeFigureOut">
               <a:rPr lang="en-US" smtClean="0"/>
-              <a:t>11/25/16</a:t>
+              <a:t>12/6/16</a:t>
             </a:fld>
             <a:endParaRPr lang="en-US"/>
           </a:p>
@@ -5161,7 +6005,7 @@
           <a:p>
             <a:fld id="{48918665-1BAA-B54E-B53A-2BEFD09F0669}" type="datetimeFigureOut">
               <a:rPr lang="en-US" smtClean="0"/>
-              <a:t>11/25/16</a:t>
+              <a:t>12/6/16</a:t>
             </a:fld>
             <a:endParaRPr lang="en-US"/>
           </a:p>
@@ -5414,7 +6258,7 @@
           <a:p>
             <a:fld id="{48918665-1BAA-B54E-B53A-2BEFD09F0669}" type="datetimeFigureOut">
               <a:rPr lang="en-US" smtClean="0"/>
-              <a:t>11/25/16</a:t>
+              <a:t>12/6/16</a:t>
             </a:fld>
             <a:endParaRPr lang="en-US"/>
           </a:p>
@@ -5627,7 +6471,7 @@
           <a:p>
             <a:fld id="{48918665-1BAA-B54E-B53A-2BEFD09F0669}" type="datetimeFigureOut">
               <a:rPr lang="en-US" smtClean="0"/>
-              <a:t>11/25/16</a:t>
+              <a:t>12/6/16</a:t>
             </a:fld>
             <a:endParaRPr lang="en-US"/>
           </a:p>
@@ -5718,7 +6562,7 @@
       </p:ext>
     </p:extLst>
   </p:cSld>
-  <p:clrMap bg1="lt1" tx1="dk1" bg2="lt2" tx2="dk2" accent1="accent1" accent2="accent2" accent3="accent3" accent4="accent4" accent5="accent5" accent6="accent6" hlink="hlink" folHlink="folHlink"/>
+  <p:clrMap bg1="dk1" tx1="lt1" bg2="dk2" tx2="lt2" accent1="accent1" accent2="accent2" accent3="accent3" accent4="accent4" accent5="accent5" accent6="accent6" hlink="hlink" folHlink="folHlink"/>
   <p:sldLayoutIdLst>
     <p:sldLayoutId id="2147483649" r:id="rId1"/>
     <p:sldLayoutId id="2147483650" r:id="rId2"/>
@@ -6429,7 +7273,7 @@
           <p:nvPr>
             <p:extLst>
               <p:ext uri="{D42A27DB-BD31-4B8C-83A1-F6EECF244321}">
-                <p14:modId xmlns:p14="http://schemas.microsoft.com/office/powerpoint/2010/main" val="2424959986"/>
+                <p14:modId xmlns:p14="http://schemas.microsoft.com/office/powerpoint/2010/main" val="4173427977"/>
               </p:ext>
             </p:extLst>
           </p:nvPr>
@@ -6580,7 +7424,7 @@
           <p:nvPr>
             <p:extLst>
               <p:ext uri="{D42A27DB-BD31-4B8C-83A1-F6EECF244321}">
-                <p14:modId xmlns:p14="http://schemas.microsoft.com/office/powerpoint/2010/main" val="1953532727"/>
+                <p14:modId xmlns:p14="http://schemas.microsoft.com/office/powerpoint/2010/main" val="1110346641"/>
               </p:ext>
             </p:extLst>
           </p:nvPr>
@@ -6599,6 +7443,181 @@
     <p:extLst>
       <p:ext uri="{BB962C8B-B14F-4D97-AF65-F5344CB8AC3E}">
         <p14:creationId xmlns:p14="http://schemas.microsoft.com/office/powerpoint/2010/main" val="1729370634"/>
+      </p:ext>
+    </p:extLst>
+  </p:cSld>
+  <p:clrMapOvr>
+    <a:masterClrMapping/>
+  </p:clrMapOvr>
+</p:sld>
+</file>
+
+<file path=ppt/slides/slide7.xml><?xml version="1.0" encoding="utf-8"?>
+<p:sld xmlns:a="http://schemas.openxmlformats.org/drawingml/2006/main" xmlns:r="http://schemas.openxmlformats.org/officeDocument/2006/relationships" xmlns:p="http://schemas.openxmlformats.org/presentationml/2006/main">
+  <p:cSld>
+    <p:bg>
+      <p:bgPr>
+        <a:solidFill>
+          <a:srgbClr val="111111"/>
+        </a:solidFill>
+        <a:effectLst/>
+      </p:bgPr>
+    </p:bg>
+    <p:spTree>
+      <p:nvGrpSpPr>
+        <p:cNvPr id="1" name=""/>
+        <p:cNvGrpSpPr/>
+        <p:nvPr/>
+      </p:nvGrpSpPr>
+      <p:grpSpPr>
+        <a:xfrm>
+          <a:off x="0" y="0"/>
+          <a:ext cx="0" cy="0"/>
+          <a:chOff x="0" y="0"/>
+          <a:chExt cx="0" cy="0"/>
+        </a:xfrm>
+      </p:grpSpPr>
+      <p:graphicFrame>
+        <p:nvGraphicFramePr>
+          <p:cNvPr id="4" name="Content Placeholder 3"/>
+          <p:cNvGraphicFramePr>
+            <a:graphicFrameLocks noGrp="1"/>
+          </p:cNvGraphicFramePr>
+          <p:nvPr>
+            <p:ph idx="1"/>
+            <p:extLst>
+              <p:ext uri="{D42A27DB-BD31-4B8C-83A1-F6EECF244321}">
+                <p14:modId xmlns:p14="http://schemas.microsoft.com/office/powerpoint/2010/main" val="3533541567"/>
+              </p:ext>
+            </p:extLst>
+          </p:nvPr>
+        </p:nvGraphicFramePr>
+        <p:xfrm>
+          <a:off x="0" y="0"/>
+          <a:ext cx="4572000" cy="5904468"/>
+        </p:xfrm>
+        <a:graphic>
+          <a:graphicData uri="http://schemas.openxmlformats.org/drawingml/2006/chart">
+            <c:chart xmlns:c="http://schemas.openxmlformats.org/drawingml/2006/chart" xmlns:r="http://schemas.openxmlformats.org/officeDocument/2006/relationships" r:id="rId2"/>
+          </a:graphicData>
+        </a:graphic>
+      </p:graphicFrame>
+      <p:graphicFrame>
+        <p:nvGraphicFramePr>
+          <p:cNvPr id="5" name="Chart 4"/>
+          <p:cNvGraphicFramePr/>
+          <p:nvPr>
+            <p:extLst>
+              <p:ext uri="{D42A27DB-BD31-4B8C-83A1-F6EECF244321}">
+                <p14:modId xmlns:p14="http://schemas.microsoft.com/office/powerpoint/2010/main" val="3755512858"/>
+              </p:ext>
+            </p:extLst>
+          </p:nvPr>
+        </p:nvGraphicFramePr>
+        <p:xfrm>
+          <a:off x="4572000" y="0"/>
+          <a:ext cx="4572000" cy="5904468"/>
+        </p:xfrm>
+        <a:graphic>
+          <a:graphicData uri="http://schemas.openxmlformats.org/drawingml/2006/chart">
+            <c:chart xmlns:c="http://schemas.openxmlformats.org/drawingml/2006/chart" xmlns:r="http://schemas.openxmlformats.org/officeDocument/2006/relationships" r:id="rId3"/>
+          </a:graphicData>
+        </a:graphic>
+      </p:graphicFrame>
+      <p:sp>
+        <p:nvSpPr>
+          <p:cNvPr id="6" name="TextBox 5"/>
+          <p:cNvSpPr txBox="1"/>
+          <p:nvPr/>
+        </p:nvSpPr>
+        <p:spPr>
+          <a:xfrm>
+            <a:off x="0" y="5904468"/>
+            <a:ext cx="2546415" cy="369332"/>
+          </a:xfrm>
+          <a:prstGeom prst="rect">
+            <a:avLst/>
+          </a:prstGeom>
+          <a:noFill/>
+        </p:spPr>
+        <p:txBody>
+          <a:bodyPr wrap="none" rtlCol="0">
+            <a:spAutoFit/>
+          </a:bodyPr>
+          <a:lstStyle/>
+          <a:p>
+            <a:r>
+              <a:rPr lang="en-US" dirty="0" smtClean="0"/>
+              <a:t># Methods/API called: 39 </a:t>
+            </a:r>
+            <a:endParaRPr lang="en-US" dirty="0"/>
+          </a:p>
+        </p:txBody>
+      </p:sp>
+      <p:sp>
+        <p:nvSpPr>
+          <p:cNvPr id="7" name="TextBox 6"/>
+          <p:cNvSpPr txBox="1"/>
+          <p:nvPr/>
+        </p:nvSpPr>
+        <p:spPr>
+          <a:xfrm>
+            <a:off x="6597585" y="5904468"/>
+            <a:ext cx="2546415" cy="369332"/>
+          </a:xfrm>
+          <a:prstGeom prst="rect">
+            <a:avLst/>
+          </a:prstGeom>
+          <a:noFill/>
+        </p:spPr>
+        <p:txBody>
+          <a:bodyPr wrap="none" rtlCol="0">
+            <a:spAutoFit/>
+          </a:bodyPr>
+          <a:lstStyle/>
+          <a:p>
+            <a:r>
+              <a:rPr lang="en-US" dirty="0" smtClean="0"/>
+              <a:t># Methods/API called: 40 </a:t>
+            </a:r>
+            <a:endParaRPr lang="en-US" dirty="0"/>
+          </a:p>
+        </p:txBody>
+      </p:sp>
+      <p:sp>
+        <p:nvSpPr>
+          <p:cNvPr id="8" name="TextBox 7"/>
+          <p:cNvSpPr txBox="1"/>
+          <p:nvPr/>
+        </p:nvSpPr>
+        <p:spPr>
+          <a:xfrm>
+            <a:off x="2273233" y="6445766"/>
+            <a:ext cx="4597533" cy="369332"/>
+          </a:xfrm>
+          <a:prstGeom prst="rect">
+            <a:avLst/>
+          </a:prstGeom>
+          <a:noFill/>
+        </p:spPr>
+        <p:txBody>
+          <a:bodyPr wrap="none" rtlCol="0">
+            <a:spAutoFit/>
+          </a:bodyPr>
+          <a:lstStyle/>
+          <a:p>
+            <a:r>
+              <a:rPr lang="en-US" dirty="0" smtClean="0"/>
+              <a:t>Minimal difference in # of calls to each method</a:t>
+            </a:r>
+            <a:endParaRPr lang="en-US" dirty="0"/>
+          </a:p>
+        </p:txBody>
+      </p:sp>
+    </p:spTree>
+    <p:extLst>
+      <p:ext uri="{BB962C8B-B14F-4D97-AF65-F5344CB8AC3E}">
+        <p14:creationId xmlns:p14="http://schemas.microsoft.com/office/powerpoint/2010/main" val="1812245360"/>
       </p:ext>
     </p:extLst>
   </p:cSld>
